--- a/2017/python/Python Programming Concepts III.pptx
+++ b/2017/python/Python Programming Concepts III.pptx
@@ -254,7 +254,7 @@
   </p:defaultTextStyle>
   <p:extLst>
     <p:ext uri="{EFAFB233-063F-42B5-8137-9DF3F51BA10A}">
-      <p15:sldGuideLst xmlns:p15="http://schemas.microsoft.com/office/powerpoint/2012/main">
+      <p15:sldGuideLst xmlns:p15="http://schemas.microsoft.com/office/powerpoint/2012/main" xmlns="">
         <p15:guide id="1" orient="horz" pos="2160">
           <p15:clr>
             <a:srgbClr val="A4A3A4"/>
@@ -8137,13 +8137,13 @@
   <p:clrMapOvr>
     <a:masterClrMapping/>
   </p:clrMapOvr>
-  <p:transition spd="slow">
+  <p:transition xmlns:p14="http://schemas.microsoft.com/office/powerpoint/2010/main" spd="slow">
     <p:cut/>
   </p:transition>
   <p:timing>
     <p:tnLst>
       <p:par>
-        <p:cTn id="1" dur="indefinite" restart="never" nodeType="tmRoot"/>
+        <p:cTn xmlns:p14="http://schemas.microsoft.com/office/powerpoint/2010/main" id="1" dur="indefinite" restart="never" nodeType="tmRoot"/>
       </p:par>
     </p:tnLst>
   </p:timing>
@@ -8623,13 +8623,13 @@
   <p:clrMapOvr>
     <a:masterClrMapping/>
   </p:clrMapOvr>
-  <p:transition spd="slow">
+  <p:transition xmlns:p14="http://schemas.microsoft.com/office/powerpoint/2010/main" spd="slow">
     <p:cut/>
   </p:transition>
   <p:timing>
     <p:tnLst>
       <p:par>
-        <p:cTn id="1" dur="indefinite" restart="never" nodeType="tmRoot"/>
+        <p:cTn xmlns:p14="http://schemas.microsoft.com/office/powerpoint/2010/main" id="1" dur="indefinite" restart="never" nodeType="tmRoot"/>
       </p:par>
     </p:tnLst>
   </p:timing>
@@ -8685,7 +8685,7 @@
               <a:buNone/>
             </a:pPr>
             <a:r>
-              <a:rPr lang="en-US" sz="5500" dirty="0" smtClean="0">
+              <a:rPr lang="en-US" sz="2500" dirty="0" smtClean="0">
                 <a:solidFill>
                   <a:srgbClr val="FF0000"/>
                 </a:solidFill>
@@ -8696,7 +8696,7 @@
               <a:t>Classes Continued</a:t>
             </a:r>
             <a:br>
-              <a:rPr lang="en-US" sz="5500" dirty="0" smtClean="0">
+              <a:rPr lang="en-US" sz="2500" dirty="0" smtClean="0">
                 <a:solidFill>
                   <a:srgbClr val="FF0000"/>
                 </a:solidFill>
@@ -8706,7 +8706,7 @@
               </a:rPr>
             </a:br>
             <a:r>
-              <a:rPr lang="en-US" sz="2800" b="0" dirty="0" smtClean="0">
+              <a:rPr lang="en-US" sz="2500" b="0" dirty="0" smtClean="0">
                 <a:solidFill>
                   <a:schemeClr val="tx1"/>
                 </a:solidFill>
@@ -8716,7 +8716,7 @@
               </a:rPr>
               <a:t>Objects have actions and attributes associated with them</a:t>
             </a:r>
-            <a:endParaRPr lang="en" sz="2800" b="0" dirty="0">
+            <a:endParaRPr lang="en" sz="2500" b="0" dirty="0">
               <a:solidFill>
                 <a:schemeClr val="tx1"/>
               </a:solidFill>
@@ -9602,13 +9602,13 @@
   <p:clrMapOvr>
     <a:masterClrMapping/>
   </p:clrMapOvr>
-  <p:transition spd="slow">
+  <p:transition xmlns:p14="http://schemas.microsoft.com/office/powerpoint/2010/main" spd="slow">
     <p:cut/>
   </p:transition>
   <p:timing>
     <p:tnLst>
       <p:par>
-        <p:cTn id="1" dur="indefinite" restart="never" nodeType="tmRoot"/>
+        <p:cTn xmlns:p14="http://schemas.microsoft.com/office/powerpoint/2010/main" id="1" dur="indefinite" restart="never" nodeType="tmRoot"/>
       </p:par>
     </p:tnLst>
   </p:timing>
@@ -9852,13 +9852,13 @@
   <p:clrMapOvr>
     <a:masterClrMapping/>
   </p:clrMapOvr>
-  <p:transition spd="slow">
+  <p:transition xmlns:p14="http://schemas.microsoft.com/office/powerpoint/2010/main" spd="slow">
     <p:cut/>
   </p:transition>
   <p:timing>
     <p:tnLst>
       <p:par>
-        <p:cTn id="1" dur="indefinite" restart="never" nodeType="tmRoot"/>
+        <p:cTn xmlns:p14="http://schemas.microsoft.com/office/powerpoint/2010/main" id="1" dur="indefinite" restart="never" nodeType="tmRoot"/>
       </p:par>
     </p:tnLst>
   </p:timing>
@@ -10391,13 +10391,13 @@
   <p:clrMapOvr>
     <a:masterClrMapping/>
   </p:clrMapOvr>
-  <p:transition spd="slow">
+  <p:transition xmlns:p14="http://schemas.microsoft.com/office/powerpoint/2010/main" spd="slow">
     <p:cut/>
   </p:transition>
   <p:timing>
     <p:tnLst>
       <p:par>
-        <p:cTn id="1" dur="indefinite" restart="never" nodeType="tmRoot"/>
+        <p:cTn xmlns:p14="http://schemas.microsoft.com/office/powerpoint/2010/main" id="1" dur="indefinite" restart="never" nodeType="tmRoot"/>
       </p:par>
     </p:tnLst>
   </p:timing>
@@ -10645,13 +10645,13 @@
   <p:clrMapOvr>
     <a:masterClrMapping/>
   </p:clrMapOvr>
-  <p:transition spd="slow">
+  <p:transition xmlns:p14="http://schemas.microsoft.com/office/powerpoint/2010/main" spd="slow">
     <p:cut/>
   </p:transition>
   <p:timing>
     <p:tnLst>
       <p:par>
-        <p:cTn id="1" dur="indefinite" restart="never" nodeType="tmRoot"/>
+        <p:cTn xmlns:p14="http://schemas.microsoft.com/office/powerpoint/2010/main" id="1" dur="indefinite" restart="never" nodeType="tmRoot"/>
       </p:par>
     </p:tnLst>
   </p:timing>
@@ -10843,13 +10843,13 @@
   <p:clrMapOvr>
     <a:masterClrMapping/>
   </p:clrMapOvr>
-  <p:transition spd="slow">
+  <p:transition xmlns:p14="http://schemas.microsoft.com/office/powerpoint/2010/main" spd="slow">
     <p:cut/>
   </p:transition>
   <p:timing>
     <p:tnLst>
       <p:par>
-        <p:cTn id="1" dur="indefinite" restart="never" nodeType="tmRoot"/>
+        <p:cTn xmlns:p14="http://schemas.microsoft.com/office/powerpoint/2010/main" id="1" dur="indefinite" restart="never" nodeType="tmRoot"/>
       </p:par>
     </p:tnLst>
   </p:timing>
@@ -11228,13 +11228,13 @@
   <p:clrMapOvr>
     <a:masterClrMapping/>
   </p:clrMapOvr>
-  <p:transition spd="slow">
+  <p:transition xmlns:p14="http://schemas.microsoft.com/office/powerpoint/2010/main" spd="slow">
     <p:cut/>
   </p:transition>
   <p:timing>
     <p:tnLst>
       <p:par>
-        <p:cTn id="1" dur="indefinite" restart="never" nodeType="tmRoot"/>
+        <p:cTn xmlns:p14="http://schemas.microsoft.com/office/powerpoint/2010/main" id="1" dur="indefinite" restart="never" nodeType="tmRoot"/>
       </p:par>
     </p:tnLst>
   </p:timing>
@@ -11663,13 +11663,13 @@
   <p:clrMapOvr>
     <a:masterClrMapping/>
   </p:clrMapOvr>
-  <p:transition spd="slow">
+  <p:transition xmlns:p14="http://schemas.microsoft.com/office/powerpoint/2010/main" spd="slow">
     <p:cut/>
   </p:transition>
   <p:timing>
     <p:tnLst>
       <p:par>
-        <p:cTn id="1" dur="indefinite" restart="never" nodeType="tmRoot"/>
+        <p:cTn xmlns:p14="http://schemas.microsoft.com/office/powerpoint/2010/main" id="1" dur="indefinite" restart="never" nodeType="tmRoot"/>
       </p:par>
     </p:tnLst>
   </p:timing>
@@ -12019,7 +12019,19 @@
                 <a:cs typeface="Menlo Regular"/>
                 <a:sym typeface="Courier New"/>
               </a:rPr>
-              <a:t>Sumatran’</a:t>
+              <a:t>Sumatran</a:t>
+            </a:r>
+            <a:r>
+              <a:rPr lang="en-US" sz="2400" dirty="0" smtClean="0">
+                <a:solidFill>
+                  <a:srgbClr val="FF0000"/>
+                </a:solidFill>
+                <a:latin typeface="Menlo Regular"/>
+                <a:ea typeface="Menlo Regular"/>
+                <a:cs typeface="Menlo Regular"/>
+                <a:sym typeface="Courier New"/>
+              </a:rPr>
+              <a:t>'</a:t>
             </a:r>
             <a:endParaRPr lang="en-US" sz="2400" dirty="0" smtClean="0">
               <a:solidFill>
@@ -12194,13 +12206,13 @@
   <p:clrMapOvr>
     <a:masterClrMapping/>
   </p:clrMapOvr>
-  <p:transition spd="slow">
+  <p:transition xmlns:p14="http://schemas.microsoft.com/office/powerpoint/2010/main" spd="slow">
     <p:cut/>
   </p:transition>
   <p:timing>
     <p:tnLst>
       <p:par>
-        <p:cTn id="1" dur="indefinite" restart="never" nodeType="tmRoot"/>
+        <p:cTn xmlns:p14="http://schemas.microsoft.com/office/powerpoint/2010/main" id="1" dur="indefinite" restart="never" nodeType="tmRoot"/>
       </p:par>
     </p:tnLst>
   </p:timing>
@@ -13131,13 +13143,13 @@
   <p:clrMapOvr>
     <a:masterClrMapping/>
   </p:clrMapOvr>
-  <p:transition spd="slow">
+  <p:transition xmlns:p14="http://schemas.microsoft.com/office/powerpoint/2010/main" spd="slow">
     <p:cut/>
   </p:transition>
   <p:timing>
     <p:tnLst>
       <p:par>
-        <p:cTn id="1" dur="indefinite" restart="never" nodeType="tmRoot"/>
+        <p:cTn xmlns:p14="http://schemas.microsoft.com/office/powerpoint/2010/main" id="1" dur="indefinite" restart="never" nodeType="tmRoot"/>
       </p:par>
     </p:tnLst>
   </p:timing>
@@ -13685,13 +13697,13 @@
   <p:clrMapOvr>
     <a:masterClrMapping/>
   </p:clrMapOvr>
-  <p:transition spd="slow">
+  <p:transition xmlns:p14="http://schemas.microsoft.com/office/powerpoint/2010/main" spd="slow">
     <p:cut/>
   </p:transition>
   <p:timing>
     <p:tnLst>
       <p:par>
-        <p:cTn id="1" dur="indefinite" restart="never" nodeType="tmRoot"/>
+        <p:cTn xmlns:p14="http://schemas.microsoft.com/office/powerpoint/2010/main" id="1" dur="indefinite" restart="never" nodeType="tmRoot"/>
       </p:par>
     </p:tnLst>
   </p:timing>
@@ -14406,13 +14418,13 @@
   <p:clrMapOvr>
     <a:masterClrMapping/>
   </p:clrMapOvr>
-  <p:transition spd="slow">
+  <p:transition xmlns:p14="http://schemas.microsoft.com/office/powerpoint/2010/main" spd="slow">
     <p:cut/>
   </p:transition>
   <p:timing>
     <p:tnLst>
       <p:par>
-        <p:cTn id="1" dur="indefinite" restart="never" nodeType="tmRoot"/>
+        <p:cTn xmlns:p14="http://schemas.microsoft.com/office/powerpoint/2010/main" id="1" dur="indefinite" restart="never" nodeType="tmRoot"/>
       </p:par>
     </p:tnLst>
   </p:timing>
@@ -14930,13 +14942,13 @@
   <p:clrMapOvr>
     <a:masterClrMapping/>
   </p:clrMapOvr>
-  <p:transition spd="slow">
+  <p:transition xmlns:p14="http://schemas.microsoft.com/office/powerpoint/2010/main" spd="slow">
     <p:cut/>
   </p:transition>
   <p:timing>
     <p:tnLst>
       <p:par>
-        <p:cTn id="1" dur="indefinite" restart="never" nodeType="tmRoot"/>
+        <p:cTn xmlns:p14="http://schemas.microsoft.com/office/powerpoint/2010/main" id="1" dur="indefinite" restart="never" nodeType="tmRoot"/>
       </p:par>
     </p:tnLst>
   </p:timing>
@@ -15366,13 +15378,13 @@
   <p:clrMapOvr>
     <a:masterClrMapping/>
   </p:clrMapOvr>
-  <p:transition spd="slow">
+  <p:transition xmlns:p14="http://schemas.microsoft.com/office/powerpoint/2010/main" spd="slow">
     <p:cut/>
   </p:transition>
   <p:timing>
     <p:tnLst>
       <p:par>
-        <p:cTn id="1" dur="indefinite" restart="never" nodeType="tmRoot"/>
+        <p:cTn xmlns:p14="http://schemas.microsoft.com/office/powerpoint/2010/main" id="1" dur="indefinite" restart="never" nodeType="tmRoot"/>
       </p:par>
     </p:tnLst>
   </p:timing>
@@ -15614,13 +15626,13 @@
   <p:clrMapOvr>
     <a:masterClrMapping/>
   </p:clrMapOvr>
-  <p:transition spd="slow">
+  <p:transition xmlns:p14="http://schemas.microsoft.com/office/powerpoint/2010/main" spd="slow">
     <p:cut/>
   </p:transition>
   <p:timing>
     <p:tnLst>
       <p:par>
-        <p:cTn id="1" dur="indefinite" restart="never" nodeType="tmRoot"/>
+        <p:cTn xmlns:p14="http://schemas.microsoft.com/office/powerpoint/2010/main" id="1" dur="indefinite" restart="never" nodeType="tmRoot"/>
       </p:par>
     </p:tnLst>
   </p:timing>
@@ -16300,13 +16312,13 @@
   <p:clrMapOvr>
     <a:masterClrMapping/>
   </p:clrMapOvr>
-  <p:transition spd="slow">
+  <p:transition xmlns:p14="http://schemas.microsoft.com/office/powerpoint/2010/main" spd="slow">
     <p:cut/>
   </p:transition>
   <p:timing>
     <p:tnLst>
       <p:par>
-        <p:cTn id="1" dur="indefinite" restart="never" nodeType="tmRoot"/>
+        <p:cTn xmlns:p14="http://schemas.microsoft.com/office/powerpoint/2010/main" id="1" dur="indefinite" restart="never" nodeType="tmRoot"/>
       </p:par>
     </p:tnLst>
   </p:timing>
@@ -16951,13 +16963,13 @@
   <p:clrMapOvr>
     <a:masterClrMapping/>
   </p:clrMapOvr>
-  <p:transition spd="slow">
+  <p:transition xmlns:p14="http://schemas.microsoft.com/office/powerpoint/2010/main" spd="slow">
     <p:cut/>
   </p:transition>
   <p:timing>
     <p:tnLst>
       <p:par>
-        <p:cTn id="1" dur="indefinite" restart="never" nodeType="tmRoot"/>
+        <p:cTn xmlns:p14="http://schemas.microsoft.com/office/powerpoint/2010/main" id="1" dur="indefinite" restart="never" nodeType="tmRoot"/>
       </p:par>
     </p:tnLst>
   </p:timing>
@@ -17334,13 +17346,13 @@
   <p:clrMapOvr>
     <a:masterClrMapping/>
   </p:clrMapOvr>
-  <p:transition spd="slow">
+  <p:transition xmlns:p14="http://schemas.microsoft.com/office/powerpoint/2010/main" spd="slow">
     <p:cut/>
   </p:transition>
   <p:timing>
     <p:tnLst>
       <p:par>
-        <p:cTn id="1" dur="indefinite" restart="never" nodeType="tmRoot"/>
+        <p:cTn xmlns:p14="http://schemas.microsoft.com/office/powerpoint/2010/main" id="1" dur="indefinite" restart="never" nodeType="tmRoot"/>
       </p:par>
     </p:tnLst>
   </p:timing>
@@ -17749,13 +17761,13 @@
   <p:clrMapOvr>
     <a:masterClrMapping/>
   </p:clrMapOvr>
-  <p:transition spd="slow">
+  <p:transition xmlns:p14="http://schemas.microsoft.com/office/powerpoint/2010/main" spd="slow">
     <p:cut/>
   </p:transition>
   <p:timing>
     <p:tnLst>
       <p:par>
-        <p:cTn id="1" dur="indefinite" restart="never" nodeType="tmRoot"/>
+        <p:cTn xmlns:p14="http://schemas.microsoft.com/office/powerpoint/2010/main" id="1" dur="indefinite" restart="never" nodeType="tmRoot"/>
       </p:par>
     </p:tnLst>
   </p:timing>
@@ -17951,13 +17963,13 @@
   <p:clrMapOvr>
     <a:masterClrMapping/>
   </p:clrMapOvr>
-  <p:transition spd="slow">
+  <p:transition xmlns:p14="http://schemas.microsoft.com/office/powerpoint/2010/main" spd="slow">
     <p:cut/>
   </p:transition>
   <p:timing>
     <p:tnLst>
       <p:par>
-        <p:cTn id="1" dur="indefinite" restart="never" nodeType="tmRoot"/>
+        <p:cTn xmlns:p14="http://schemas.microsoft.com/office/powerpoint/2010/main" id="1" dur="indefinite" restart="never" nodeType="tmRoot"/>
       </p:par>
     </p:tnLst>
   </p:timing>
@@ -18030,13 +18042,13 @@
   <p:clrMapOvr>
     <a:masterClrMapping/>
   </p:clrMapOvr>
-  <p:transition spd="slow">
+  <p:transition xmlns:p14="http://schemas.microsoft.com/office/powerpoint/2010/main" spd="slow">
     <p:cut/>
   </p:transition>
   <p:timing>
     <p:tnLst>
       <p:par>
-        <p:cTn id="1" dur="indefinite" restart="never" nodeType="tmRoot"/>
+        <p:cTn xmlns:p14="http://schemas.microsoft.com/office/powerpoint/2010/main" id="1" dur="indefinite" restart="never" nodeType="tmRoot"/>
       </p:par>
     </p:tnLst>
   </p:timing>
@@ -18258,13 +18270,13 @@
   <p:clrMapOvr>
     <a:masterClrMapping/>
   </p:clrMapOvr>
-  <p:transition spd="slow">
+  <p:transition xmlns:p14="http://schemas.microsoft.com/office/powerpoint/2010/main" spd="slow">
     <p:cut/>
   </p:transition>
   <p:timing>
     <p:tnLst>
       <p:par>
-        <p:cTn id="1" dur="indefinite" restart="never" nodeType="tmRoot"/>
+        <p:cTn xmlns:p14="http://schemas.microsoft.com/office/powerpoint/2010/main" id="1" dur="indefinite" restart="never" nodeType="tmRoot"/>
       </p:par>
     </p:tnLst>
   </p:timing>
@@ -18612,13 +18624,13 @@
   <p:clrMapOvr>
     <a:masterClrMapping/>
   </p:clrMapOvr>
-  <p:transition spd="slow">
+  <p:transition xmlns:p14="http://schemas.microsoft.com/office/powerpoint/2010/main" spd="slow">
     <p:cut/>
   </p:transition>
   <p:timing>
     <p:tnLst>
       <p:par>
-        <p:cTn id="1" dur="indefinite" restart="never" nodeType="tmRoot"/>
+        <p:cTn xmlns:p14="http://schemas.microsoft.com/office/powerpoint/2010/main" id="1" dur="indefinite" restart="never" nodeType="tmRoot"/>
       </p:par>
     </p:tnLst>
   </p:timing>
@@ -18952,13 +18964,13 @@
   <p:clrMapOvr>
     <a:masterClrMapping/>
   </p:clrMapOvr>
-  <p:transition spd="slow">
+  <p:transition xmlns:p14="http://schemas.microsoft.com/office/powerpoint/2010/main" spd="slow">
     <p:cut/>
   </p:transition>
   <p:timing>
     <p:tnLst>
       <p:par>
-        <p:cTn id="1" dur="indefinite" restart="never" nodeType="tmRoot"/>
+        <p:cTn xmlns:p14="http://schemas.microsoft.com/office/powerpoint/2010/main" id="1" dur="indefinite" restart="never" nodeType="tmRoot"/>
       </p:par>
     </p:tnLst>
   </p:timing>
@@ -19297,13 +19309,13 @@
   <p:clrMapOvr>
     <a:masterClrMapping/>
   </p:clrMapOvr>
-  <p:transition spd="slow">
+  <p:transition xmlns:p14="http://schemas.microsoft.com/office/powerpoint/2010/main" spd="slow">
     <p:cut/>
   </p:transition>
   <p:timing>
     <p:tnLst>
       <p:par>
-        <p:cTn id="1" dur="indefinite" restart="never" nodeType="tmRoot"/>
+        <p:cTn xmlns:p14="http://schemas.microsoft.com/office/powerpoint/2010/main" id="1" dur="indefinite" restart="never" nodeType="tmRoot"/>
       </p:par>
     </p:tnLst>
   </p:timing>
@@ -19541,13 +19553,13 @@
   <p:clrMapOvr>
     <a:masterClrMapping/>
   </p:clrMapOvr>
-  <p:transition spd="slow">
+  <p:transition xmlns:p14="http://schemas.microsoft.com/office/powerpoint/2010/main" spd="slow">
     <p:cut/>
   </p:transition>
   <p:timing>
     <p:tnLst>
       <p:par>
-        <p:cTn id="1" dur="indefinite" restart="never" nodeType="tmRoot"/>
+        <p:cTn xmlns:p14="http://schemas.microsoft.com/office/powerpoint/2010/main" id="1" dur="indefinite" restart="never" nodeType="tmRoot"/>
       </p:par>
     </p:tnLst>
   </p:timing>
@@ -19848,13 +19860,13 @@
   <p:clrMapOvr>
     <a:overrideClrMapping bg1="lt1" tx1="dk1" bg2="dk2" tx2="lt2" accent1="accent1" accent2="accent2" accent3="accent3" accent4="accent4" accent5="accent5" accent6="accent6" hlink="hlink" folHlink="folHlink"/>
   </p:clrMapOvr>
-  <p:transition spd="slow">
+  <p:transition xmlns:p14="http://schemas.microsoft.com/office/powerpoint/2010/main" spd="slow">
     <p:cut/>
   </p:transition>
   <p:timing>
     <p:tnLst>
       <p:par>
-        <p:cTn id="1" dur="indefinite" restart="never" nodeType="tmRoot"/>
+        <p:cTn xmlns:p14="http://schemas.microsoft.com/office/powerpoint/2010/main" id="1" dur="indefinite" restart="never" nodeType="tmRoot"/>
       </p:par>
     </p:tnLst>
   </p:timing>
@@ -20048,14 +20060,20 @@
               <a:buNone/>
             </a:pPr>
             <a:r>
-              <a:rPr lang="en" sz="2400" b="1" dirty="0">
+              <a:rPr lang="en-US" sz="2400" b="1" dirty="0" smtClean="0">
                 <a:latin typeface="Open Sans"/>
                 <a:ea typeface="Open Sans"/>
                 <a:cs typeface="Open Sans"/>
                 <a:sym typeface="Open Sans"/>
               </a:rPr>
-              <a:t>white</a:t>
-            </a:r>
+              <a:t>sleepy</a:t>
+            </a:r>
+            <a:endParaRPr lang="en" sz="2400" b="1" dirty="0">
+              <a:latin typeface="Open Sans"/>
+              <a:ea typeface="Open Sans"/>
+              <a:cs typeface="Open Sans"/>
+              <a:sym typeface="Open Sans"/>
+            </a:endParaRPr>
           </a:p>
           <a:p>
             <a:pPr lvl="0" rtl="0">
@@ -20065,14 +20083,20 @@
               <a:buNone/>
             </a:pPr>
             <a:r>
-              <a:rPr lang="en" sz="2400" b="1" dirty="0">
+              <a:rPr lang="en-US" sz="2400" b="1" dirty="0" smtClean="0">
                 <a:latin typeface="Open Sans"/>
                 <a:ea typeface="Open Sans"/>
                 <a:cs typeface="Open Sans"/>
                 <a:sym typeface="Open Sans"/>
               </a:rPr>
-              <a:t>long-haired</a:t>
-            </a:r>
+              <a:t>evil?</a:t>
+            </a:r>
+            <a:endParaRPr lang="en" sz="2400" b="1" dirty="0">
+              <a:latin typeface="Open Sans"/>
+              <a:ea typeface="Open Sans"/>
+              <a:cs typeface="Open Sans"/>
+              <a:sym typeface="Open Sans"/>
+            </a:endParaRPr>
           </a:p>
           <a:p>
             <a:pPr lvl="0" rtl="0">
@@ -20082,14 +20106,20 @@
               <a:buNone/>
             </a:pPr>
             <a:r>
-              <a:rPr lang="en" sz="2400" b="1" dirty="0">
+              <a:rPr lang="en-US" sz="2400" b="1" dirty="0" smtClean="0">
                 <a:latin typeface="Open Sans"/>
                 <a:ea typeface="Open Sans"/>
                 <a:cs typeface="Open Sans"/>
                 <a:sym typeface="Open Sans"/>
               </a:rPr>
-              <a:t>4 years old</a:t>
-            </a:r>
+              <a:t>standoffish</a:t>
+            </a:r>
+            <a:endParaRPr lang="en" sz="2400" b="1" dirty="0">
+              <a:latin typeface="Open Sans"/>
+              <a:ea typeface="Open Sans"/>
+              <a:cs typeface="Open Sans"/>
+              <a:sym typeface="Open Sans"/>
+            </a:endParaRPr>
           </a:p>
           <a:p>
             <a:pPr lvl="0" rtl="0">
@@ -20211,43 +20241,65 @@
               <a:buNone/>
             </a:pPr>
             <a:r>
-              <a:rPr lang="en" sz="2400" b="1" dirty="0">
+              <a:rPr lang="en-US" sz="2400" b="1" dirty="0" smtClean="0">
                 <a:latin typeface="Open Sans"/>
                 <a:ea typeface="Open Sans"/>
                 <a:cs typeface="Open Sans"/>
                 <a:sym typeface="Open Sans"/>
               </a:rPr>
-              <a:t>nap</a:t>
-            </a:r>
+              <a:t>scream</a:t>
+            </a:r>
+          </a:p>
+          <a:p>
+            <a:pPr>
+              <a:spcBef>
+                <a:spcPts val="0"/>
+              </a:spcBef>
+              <a:buNone/>
+            </a:pPr>
+            <a:r>
+              <a:rPr lang="en-US" sz="2400" b="1" dirty="0" smtClean="0">
+                <a:sym typeface="Open Sans"/>
+              </a:rPr>
+              <a:t>yowl</a:t>
+            </a:r>
+            <a:endParaRPr lang="en" sz="2400" b="1" dirty="0">
+              <a:latin typeface="Open Sans"/>
+              <a:ea typeface="Open Sans"/>
+              <a:cs typeface="Open Sans"/>
+              <a:sym typeface="Open Sans"/>
+            </a:endParaRPr>
           </a:p>
         </p:txBody>
       </p:sp>
       <p:pic>
         <p:nvPicPr>
-          <p:cNvPr id="80" name="Shape 80"/>
-          <p:cNvPicPr preferRelativeResize="0"/>
+          <p:cNvPr id="2" name="Picture 1" descr="IMG_1210.JPG"/>
+          <p:cNvPicPr>
+            <a:picLocks noChangeAspect="1"/>
+          </p:cNvPicPr>
           <p:nvPr/>
         </p:nvPicPr>
         <p:blipFill>
           <a:blip r:embed="rId3">
-            <a:alphaModFix/>
+            <a:extLst>
+              <a:ext uri="{28A0092B-C50C-407E-A947-70E740481C1C}">
+                <a14:useLocalDpi xmlns:a14="http://schemas.microsoft.com/office/drawing/2010/main" val="0"/>
+              </a:ext>
+            </a:extLst>
           </a:blip>
           <a:stretch>
             <a:fillRect/>
           </a:stretch>
         </p:blipFill>
         <p:spPr>
-          <a:xfrm>
-            <a:off x="5669700" y="2401800"/>
-            <a:ext cx="3154566" cy="2691004"/>
+          <a:xfrm rot="5400000">
+            <a:off x="4490038" y="1463140"/>
+            <a:ext cx="4974098" cy="3730574"/>
           </a:xfrm>
           <a:prstGeom prst="rect">
             <a:avLst/>
           </a:prstGeom>
-          <a:noFill/>
-          <a:ln>
-            <a:noFill/>
-          </a:ln>
         </p:spPr>
       </p:pic>
     </p:spTree>
@@ -20255,13 +20307,13 @@
   <p:clrMapOvr>
     <a:masterClrMapping/>
   </p:clrMapOvr>
-  <p:transition spd="slow">
+  <p:transition xmlns:p14="http://schemas.microsoft.com/office/powerpoint/2010/main" spd="slow">
     <p:cut/>
   </p:transition>
   <p:timing>
     <p:tnLst>
       <p:par>
-        <p:cTn id="1" dur="indefinite" restart="never" nodeType="tmRoot"/>
+        <p:cTn xmlns:p14="http://schemas.microsoft.com/office/powerpoint/2010/main" id="1" dur="indefinite" restart="never" nodeType="tmRoot"/>
       </p:par>
     </p:tnLst>
   </p:timing>

--- a/2017/python/Python Programming Concepts III.pptx
+++ b/2017/python/Python Programming Concepts III.pptx
@@ -254,7 +254,7 @@
   </p:defaultTextStyle>
   <p:extLst>
     <p:ext uri="{EFAFB233-063F-42B5-8137-9DF3F51BA10A}">
-      <p15:sldGuideLst xmlns:p15="http://schemas.microsoft.com/office/powerpoint/2012/main" xmlns="">
+      <p15:sldGuideLst xmlns="" xmlns:p15="http://schemas.microsoft.com/office/powerpoint/2012/main">
         <p15:guide id="1" orient="horz" pos="2160">
           <p15:clr>
             <a:srgbClr val="A4A3A4"/>
@@ -12033,15 +12033,6 @@
               </a:rPr>
               <a:t>'</a:t>
             </a:r>
-            <a:endParaRPr lang="en-US" sz="2400" dirty="0" smtClean="0">
-              <a:solidFill>
-                <a:srgbClr val="FF0000"/>
-              </a:solidFill>
-              <a:latin typeface="Menlo Regular"/>
-              <a:ea typeface="Menlo Regular"/>
-              <a:cs typeface="Menlo Regular"/>
-              <a:sym typeface="Courier New"/>
-            </a:endParaRPr>
           </a:p>
           <a:p>
             <a:pPr lvl="0" rtl="0">
